--- a/Lab 9/AIPresentation.pptx
+++ b/Lab 9/AIPresentation.pptx
@@ -39192,6 +39192,10 @@
           </p:nvPr>
         </p:nvSpPr>
         <p:spPr>
+          <a:xfrm>
+            <a:off x="343700" y="687983"/>
+            <a:ext cx="5078399" cy="1948213"/>
+          </a:xfrm>
           <a:prstGeom prst="rect">
             <a:avLst/>
           </a:prstGeom>
@@ -39444,8 +39448,24 @@
             </a:r>
             <a:r>
               <a:rPr spc="-30" dirty="0"/>
-              <a:t>gender.</a:t>
-            </a:r>
+              <a:t>gender</a:t>
+            </a:r>
+            <a:r>
+              <a:rPr spc="-30" dirty="0" smtClean="0"/>
+              <a:t>.</a:t>
+            </a:r>
+            <a:endParaRPr lang="en-US" spc="-30" dirty="0" smtClean="0"/>
+          </a:p>
+          <a:p>
+            <a:pPr marL="15875" marR="5080">
+              <a:lnSpc>
+                <a:spcPct val="102600"/>
+              </a:lnSpc>
+              <a:spcBef>
+                <a:spcPts val="55"/>
+              </a:spcBef>
+            </a:pPr>
+            <a:endParaRPr spc="-30" dirty="0"/>
           </a:p>
           <a:p>
             <a:pPr marL="15875" marR="185420">
